--- a/docs/diagrams/StorageComponentClassDiagram.pptx
+++ b/docs/diagrams/StorageComponentClassDiagram.pptx
@@ -208,7 +208,7 @@
           <a:p>
             <a:fld id="{F5CC4B3F-88C1-4FFA-B1B6-F41C21DC6924}" type="datetimeFigureOut">
               <a:rPr lang="en-US" smtClean="0"/>
-              <a:t>3/13/2018</a:t>
+              <a:t>3/26/2018</a:t>
             </a:fld>
             <a:endParaRPr lang="en-US"/>
           </a:p>
@@ -654,7 +654,7 @@
           <a:p>
             <a:fld id="{78C97017-6FC3-485B-9764-EAC9E56C1D49}" type="datetimeFigureOut">
               <a:rPr lang="en-US" smtClean="0"/>
-              <a:t>3/13/2018</a:t>
+              <a:t>3/26/2018</a:t>
             </a:fld>
             <a:endParaRPr lang="en-US"/>
           </a:p>
@@ -822,7 +822,7 @@
           <a:p>
             <a:fld id="{78C97017-6FC3-485B-9764-EAC9E56C1D49}" type="datetimeFigureOut">
               <a:rPr lang="en-US" smtClean="0"/>
-              <a:t>3/13/2018</a:t>
+              <a:t>3/26/2018</a:t>
             </a:fld>
             <a:endParaRPr lang="en-US"/>
           </a:p>
@@ -1000,7 +1000,7 @@
           <a:p>
             <a:fld id="{78C97017-6FC3-485B-9764-EAC9E56C1D49}" type="datetimeFigureOut">
               <a:rPr lang="en-US" smtClean="0"/>
-              <a:t>3/13/2018</a:t>
+              <a:t>3/26/2018</a:t>
             </a:fld>
             <a:endParaRPr lang="en-US"/>
           </a:p>
@@ -1168,7 +1168,7 @@
           <a:p>
             <a:fld id="{78C97017-6FC3-485B-9764-EAC9E56C1D49}" type="datetimeFigureOut">
               <a:rPr lang="en-US" smtClean="0"/>
-              <a:t>3/13/2018</a:t>
+              <a:t>3/26/2018</a:t>
             </a:fld>
             <a:endParaRPr lang="en-US"/>
           </a:p>
@@ -1413,7 +1413,7 @@
           <a:p>
             <a:fld id="{78C97017-6FC3-485B-9764-EAC9E56C1D49}" type="datetimeFigureOut">
               <a:rPr lang="en-US" smtClean="0"/>
-              <a:t>3/13/2018</a:t>
+              <a:t>3/26/2018</a:t>
             </a:fld>
             <a:endParaRPr lang="en-US"/>
           </a:p>
@@ -1698,7 +1698,7 @@
           <a:p>
             <a:fld id="{78C97017-6FC3-485B-9764-EAC9E56C1D49}" type="datetimeFigureOut">
               <a:rPr lang="en-US" smtClean="0"/>
-              <a:t>3/13/2018</a:t>
+              <a:t>3/26/2018</a:t>
             </a:fld>
             <a:endParaRPr lang="en-US"/>
           </a:p>
@@ -2117,7 +2117,7 @@
           <a:p>
             <a:fld id="{78C97017-6FC3-485B-9764-EAC9E56C1D49}" type="datetimeFigureOut">
               <a:rPr lang="en-US" smtClean="0"/>
-              <a:t>3/13/2018</a:t>
+              <a:t>3/26/2018</a:t>
             </a:fld>
             <a:endParaRPr lang="en-US"/>
           </a:p>
@@ -2234,7 +2234,7 @@
           <a:p>
             <a:fld id="{78C97017-6FC3-485B-9764-EAC9E56C1D49}" type="datetimeFigureOut">
               <a:rPr lang="en-US" smtClean="0"/>
-              <a:t>3/13/2018</a:t>
+              <a:t>3/26/2018</a:t>
             </a:fld>
             <a:endParaRPr lang="en-US"/>
           </a:p>
@@ -2329,7 +2329,7 @@
           <a:p>
             <a:fld id="{78C97017-6FC3-485B-9764-EAC9E56C1D49}" type="datetimeFigureOut">
               <a:rPr lang="en-US" smtClean="0"/>
-              <a:t>3/13/2018</a:t>
+              <a:t>3/26/2018</a:t>
             </a:fld>
             <a:endParaRPr lang="en-US"/>
           </a:p>
@@ -2604,7 +2604,7 @@
           <a:p>
             <a:fld id="{78C97017-6FC3-485B-9764-EAC9E56C1D49}" type="datetimeFigureOut">
               <a:rPr lang="en-US" smtClean="0"/>
-              <a:t>3/13/2018</a:t>
+              <a:t>3/26/2018</a:t>
             </a:fld>
             <a:endParaRPr lang="en-US"/>
           </a:p>
@@ -2856,7 +2856,7 @@
           <a:p>
             <a:fld id="{78C97017-6FC3-485B-9764-EAC9E56C1D49}" type="datetimeFigureOut">
               <a:rPr lang="en-US" smtClean="0"/>
-              <a:t>3/13/2018</a:t>
+              <a:t>3/26/2018</a:t>
             </a:fld>
             <a:endParaRPr lang="en-US"/>
           </a:p>
@@ -3067,7 +3067,7 @@
           <a:p>
             <a:fld id="{78C97017-6FC3-485B-9764-EAC9E56C1D49}" type="datetimeFigureOut">
               <a:rPr lang="en-US" smtClean="0"/>
-              <a:t>3/13/2018</a:t>
+              <a:t>3/26/2018</a:t>
             </a:fld>
             <a:endParaRPr lang="en-US"/>
           </a:p>
@@ -3450,8 +3450,8 @@
         </p:nvSpPr>
         <p:spPr>
           <a:xfrm>
-            <a:off x="1119865" y="2086382"/>
-            <a:ext cx="7871735" cy="1723618"/>
+            <a:off x="1119865" y="2288860"/>
+            <a:ext cx="7871735" cy="2051680"/>
           </a:xfrm>
           <a:prstGeom prst="roundRect">
             <a:avLst>
@@ -3593,8 +3593,8 @@
         </p:nvSpPr>
         <p:spPr>
           <a:xfrm rot="16200000">
-            <a:off x="1683963" y="2868687"/>
-            <a:ext cx="1093635" cy="346760"/>
+            <a:off x="1568811" y="3159243"/>
+            <a:ext cx="1323939" cy="346760"/>
           </a:xfrm>
           <a:prstGeom prst="rect">
             <a:avLst/>
@@ -3656,8 +3656,8 @@
         </p:nvSpPr>
         <p:spPr>
           <a:xfrm rot="16200000">
-            <a:off x="956202" y="2861202"/>
-            <a:ext cx="1093635" cy="346760"/>
+            <a:off x="841050" y="3159242"/>
+            <a:ext cx="1323939" cy="346760"/>
           </a:xfrm>
           <a:prstGeom prst="rect">
             <a:avLst/>
@@ -3730,7 +3730,7 @@
         </p:nvSpPr>
         <p:spPr>
           <a:xfrm rot="16200000">
-            <a:off x="1626910" y="2952291"/>
+            <a:off x="1626910" y="3247891"/>
             <a:ext cx="270504" cy="175523"/>
           </a:xfrm>
           <a:prstGeom prst="triangle">
@@ -3873,7 +3873,7 @@
         </p:nvCxnSpPr>
         <p:spPr>
           <a:xfrm flipV="1">
-            <a:off x="1849924" y="3040052"/>
+            <a:off x="1849924" y="3335652"/>
             <a:ext cx="216105" cy="1"/>
           </a:xfrm>
           <a:prstGeom prst="line">
@@ -4187,7 +4187,7 @@
         </p:nvSpPr>
         <p:spPr>
           <a:xfrm>
-            <a:off x="2873943" y="2558040"/>
+            <a:off x="2884092" y="2670654"/>
             <a:ext cx="1323049" cy="346760"/>
           </a:xfrm>
           <a:prstGeom prst="rect">
@@ -4268,8 +4268,8 @@
         </p:nvCxnSpPr>
         <p:spPr>
           <a:xfrm>
-            <a:off x="2653133" y="2726136"/>
-            <a:ext cx="220810" cy="5284"/>
+            <a:off x="2653133" y="2839221"/>
+            <a:ext cx="230959" cy="4813"/>
           </a:xfrm>
           <a:prstGeom prst="straightConnector1">
             <a:avLst/>
@@ -4308,7 +4308,7 @@
         </p:nvSpPr>
         <p:spPr>
           <a:xfrm>
-            <a:off x="2417085" y="2639446"/>
+            <a:off x="2417085" y="2752531"/>
             <a:ext cx="236048" cy="173380"/>
           </a:xfrm>
           <a:prstGeom prst="flowChartDecision">
@@ -4362,7 +4362,7 @@
         </p:nvCxnSpPr>
         <p:spPr>
           <a:xfrm flipV="1">
-            <a:off x="4394804" y="2731420"/>
+            <a:off x="4394804" y="2834320"/>
             <a:ext cx="223324" cy="1"/>
           </a:xfrm>
           <a:prstGeom prst="bentConnector3">
@@ -4405,7 +4405,7 @@
         </p:nvSpPr>
         <p:spPr>
           <a:xfrm rot="5400000" flipV="1">
-            <a:off x="4171790" y="2643659"/>
+            <a:off x="4171790" y="2746559"/>
             <a:ext cx="270504" cy="175523"/>
           </a:xfrm>
           <a:prstGeom prst="triangle">
@@ -4460,7 +4460,7 @@
         </p:nvSpPr>
         <p:spPr>
           <a:xfrm>
-            <a:off x="4618128" y="2558040"/>
+            <a:off x="4618128" y="2660940"/>
             <a:ext cx="1093635" cy="346760"/>
           </a:xfrm>
           <a:prstGeom prst="rect">
@@ -4597,8 +4597,8 @@
         </p:nvCxnSpPr>
         <p:spPr>
           <a:xfrm rot="5400000" flipH="1" flipV="1">
-            <a:off x="8077993" y="2992020"/>
-            <a:ext cx="335208" cy="12700"/>
+            <a:off x="8095848" y="3009875"/>
+            <a:ext cx="299498" cy="1"/>
           </a:xfrm>
           <a:prstGeom prst="bentConnector3">
             <a:avLst>
@@ -4635,7 +4635,7 @@
         </p:nvSpPr>
         <p:spPr>
           <a:xfrm>
-            <a:off x="7615738" y="2477656"/>
+            <a:off x="7615739" y="2513366"/>
             <a:ext cx="1259718" cy="346760"/>
           </a:xfrm>
           <a:prstGeom prst="rect">
@@ -4794,7 +4794,7 @@
         </p:nvSpPr>
         <p:spPr>
           <a:xfrm>
-            <a:off x="6132899" y="2477656"/>
+            <a:off x="6132900" y="2513366"/>
             <a:ext cx="1384937" cy="346760"/>
           </a:xfrm>
           <a:prstGeom prst="rect">
@@ -4860,8 +4860,8 @@
         </p:nvCxnSpPr>
         <p:spPr>
           <a:xfrm rot="16200000" flipV="1">
-            <a:off x="7367879" y="2281905"/>
-            <a:ext cx="335208" cy="1420229"/>
+            <a:off x="7385734" y="2299761"/>
+            <a:ext cx="299498" cy="1420228"/>
           </a:xfrm>
           <a:prstGeom prst="bentConnector3">
             <a:avLst>
@@ -4884,6 +4884,420 @@
           </a:fillRef>
           <a:effectRef idx="1">
             <a:schemeClr val="accent6"/>
+          </a:effectRef>
+          <a:fontRef idx="minor">
+            <a:schemeClr val="dk1"/>
+          </a:fontRef>
+        </p:style>
+      </p:cxnSp>
+      <p:sp>
+        <p:nvSpPr>
+          <p:cNvPr id="28" name="Rectangle 8">
+            <a:extLst>
+              <a:ext uri="{FF2B5EF4-FFF2-40B4-BE49-F238E27FC236}">
+                <a16:creationId xmlns:a16="http://schemas.microsoft.com/office/drawing/2014/main" id="{D2A1E52E-AFCF-454E-BF8F-C92D8A9C30B2}"/>
+              </a:ext>
+            </a:extLst>
+          </p:cNvPr>
+          <p:cNvSpPr/>
+          <p:nvPr/>
+        </p:nvSpPr>
+        <p:spPr>
+          <a:xfrm>
+            <a:off x="4618128" y="3605576"/>
+            <a:ext cx="1169835" cy="346760"/>
+          </a:xfrm>
+          <a:prstGeom prst="rect">
+            <a:avLst/>
+          </a:prstGeom>
+          <a:ln w="19050"/>
+          <a:effectLst/>
+        </p:spPr>
+        <p:style>
+          <a:lnRef idx="1">
+            <a:schemeClr val="accent6"/>
+          </a:lnRef>
+          <a:fillRef idx="2">
+            <a:schemeClr val="accent6"/>
+          </a:fillRef>
+          <a:effectRef idx="1">
+            <a:schemeClr val="accent6"/>
+          </a:effectRef>
+          <a:fontRef idx="minor">
+            <a:schemeClr val="dk1"/>
+          </a:fontRef>
+        </p:style>
+        <p:txBody>
+          <a:bodyPr rtlCol="0" anchor="ctr"/>
+          <a:lstStyle/>
+          <a:p>
+            <a:pPr algn="ctr"/>
+            <a:r>
+              <a:rPr lang="en-US" sz="1050" b="1" dirty="0" err="1">
+                <a:solidFill>
+                  <a:schemeClr val="accent6">
+                    <a:lumMod val="75000"/>
+                  </a:schemeClr>
+                </a:solidFill>
+              </a:rPr>
+              <a:t>XmlRecentBooksStorage</a:t>
+            </a:r>
+            <a:endParaRPr lang="en-SG" sz="1050" b="1" dirty="0">
+              <a:solidFill>
+                <a:schemeClr val="accent6">
+                  <a:lumMod val="75000"/>
+                </a:schemeClr>
+              </a:solidFill>
+            </a:endParaRPr>
+          </a:p>
+        </p:txBody>
+      </p:sp>
+      <p:cxnSp>
+        <p:nvCxnSpPr>
+          <p:cNvPr id="30" name="Elbow Connector 63">
+            <a:extLst>
+              <a:ext uri="{FF2B5EF4-FFF2-40B4-BE49-F238E27FC236}">
+                <a16:creationId xmlns:a16="http://schemas.microsoft.com/office/drawing/2014/main" id="{E5A535E0-C1ED-4B00-A2B9-0D7048F59C30}"/>
+              </a:ext>
+            </a:extLst>
+          </p:cNvPr>
+          <p:cNvCxnSpPr>
+            <a:stCxn id="31" idx="3"/>
+          </p:cNvCxnSpPr>
+          <p:nvPr/>
+        </p:nvCxnSpPr>
+        <p:spPr>
+          <a:xfrm flipV="1">
+            <a:off x="4394804" y="3768554"/>
+            <a:ext cx="223324" cy="1"/>
+          </a:xfrm>
+          <a:prstGeom prst="bentConnector3">
+            <a:avLst>
+              <a:gd name="adj1" fmla="val 50000"/>
+            </a:avLst>
+          </a:prstGeom>
+          <a:ln w="19050">
+            <a:solidFill>
+              <a:schemeClr val="accent6">
+                <a:lumMod val="75000"/>
+              </a:schemeClr>
+            </a:solidFill>
+            <a:prstDash val="sysDot"/>
+            <a:headEnd type="none" w="med" len="med"/>
+            <a:tailEnd type="none" w="med" len="med"/>
+          </a:ln>
+          <a:effectLst/>
+        </p:spPr>
+        <p:style>
+          <a:lnRef idx="1">
+            <a:schemeClr val="accent2"/>
+          </a:lnRef>
+          <a:fillRef idx="2">
+            <a:schemeClr val="accent2"/>
+          </a:fillRef>
+          <a:effectRef idx="1">
+            <a:schemeClr val="accent2"/>
+          </a:effectRef>
+          <a:fontRef idx="minor">
+            <a:schemeClr val="dk1"/>
+          </a:fontRef>
+        </p:style>
+      </p:cxnSp>
+      <p:sp>
+        <p:nvSpPr>
+          <p:cNvPr id="31" name="Isosceles Triangle 102">
+            <a:extLst>
+              <a:ext uri="{FF2B5EF4-FFF2-40B4-BE49-F238E27FC236}">
+                <a16:creationId xmlns:a16="http://schemas.microsoft.com/office/drawing/2014/main" id="{2E878672-10C4-4FA2-9F88-BFB0BEF7F758}"/>
+              </a:ext>
+            </a:extLst>
+          </p:cNvPr>
+          <p:cNvSpPr/>
+          <p:nvPr/>
+        </p:nvSpPr>
+        <p:spPr>
+          <a:xfrm rot="5400000" flipV="1">
+            <a:off x="4171790" y="3680793"/>
+            <a:ext cx="270504" cy="175523"/>
+          </a:xfrm>
+          <a:prstGeom prst="triangle">
+            <a:avLst/>
+          </a:prstGeom>
+          <a:solidFill>
+            <a:schemeClr val="accent6">
+              <a:lumMod val="75000"/>
+            </a:schemeClr>
+          </a:solidFill>
+          <a:ln w="19050">
+            <a:solidFill>
+              <a:schemeClr val="accent6">
+                <a:lumMod val="75000"/>
+              </a:schemeClr>
+            </a:solidFill>
+          </a:ln>
+          <a:effectLst/>
+        </p:spPr>
+        <p:style>
+          <a:lnRef idx="1">
+            <a:schemeClr val="accent2"/>
+          </a:lnRef>
+          <a:fillRef idx="2">
+            <a:schemeClr val="accent2"/>
+          </a:fillRef>
+          <a:effectRef idx="1">
+            <a:schemeClr val="accent2"/>
+          </a:effectRef>
+          <a:fontRef idx="minor">
+            <a:schemeClr val="dk1"/>
+          </a:fontRef>
+        </p:style>
+        <p:txBody>
+          <a:bodyPr rtlCol="0" anchor="ctr"/>
+          <a:lstStyle/>
+          <a:p>
+            <a:pPr algn="ctr"/>
+            <a:endParaRPr lang="en-SG" sz="1050">
+              <a:solidFill>
+                <a:schemeClr val="bg1"/>
+              </a:solidFill>
+            </a:endParaRPr>
+          </a:p>
+        </p:txBody>
+      </p:sp>
+      <p:sp>
+        <p:nvSpPr>
+          <p:cNvPr id="32" name="Rectangle 8">
+            <a:extLst>
+              <a:ext uri="{FF2B5EF4-FFF2-40B4-BE49-F238E27FC236}">
+                <a16:creationId xmlns:a16="http://schemas.microsoft.com/office/drawing/2014/main" id="{0F4E78D2-B24E-4A07-BF50-9A25AD1FE75B}"/>
+              </a:ext>
+            </a:extLst>
+          </p:cNvPr>
+          <p:cNvSpPr/>
+          <p:nvPr/>
+        </p:nvSpPr>
+        <p:spPr>
+          <a:xfrm>
+            <a:off x="2873942" y="3647833"/>
+            <a:ext cx="1323049" cy="346760"/>
+          </a:xfrm>
+          <a:prstGeom prst="rect">
+            <a:avLst/>
+          </a:prstGeom>
+          <a:solidFill>
+            <a:schemeClr val="accent6">
+              <a:lumMod val="75000"/>
+            </a:schemeClr>
+          </a:solidFill>
+          <a:ln w="19050">
+            <a:solidFill>
+              <a:schemeClr val="accent6">
+                <a:lumMod val="75000"/>
+              </a:schemeClr>
+            </a:solidFill>
+          </a:ln>
+          <a:effectLst/>
+        </p:spPr>
+        <p:style>
+          <a:lnRef idx="1">
+            <a:schemeClr val="accent2"/>
+          </a:lnRef>
+          <a:fillRef idx="2">
+            <a:schemeClr val="accent2"/>
+          </a:fillRef>
+          <a:effectRef idx="1">
+            <a:schemeClr val="accent2"/>
+          </a:effectRef>
+          <a:fontRef idx="minor">
+            <a:schemeClr val="dk1"/>
+          </a:fontRef>
+        </p:style>
+        <p:txBody>
+          <a:bodyPr rtlCol="0" anchor="ctr"/>
+          <a:lstStyle/>
+          <a:p>
+            <a:pPr algn="ctr"/>
+            <a:r>
+              <a:rPr lang="en-US" sz="1050" dirty="0">
+                <a:solidFill>
+                  <a:schemeClr val="bg1"/>
+                </a:solidFill>
+              </a:rPr>
+              <a:t>&lt;&lt;interface&gt;&gt;</a:t>
+            </a:r>
+            <a:br>
+              <a:rPr lang="en-US" sz="1050" dirty="0">
+                <a:solidFill>
+                  <a:schemeClr val="bg1"/>
+                </a:solidFill>
+              </a:rPr>
+            </a:br>
+            <a:r>
+              <a:rPr lang="en-US" sz="1050" dirty="0" err="1">
+                <a:solidFill>
+                  <a:schemeClr val="bg1"/>
+                </a:solidFill>
+              </a:rPr>
+              <a:t>RecentBooksStorage</a:t>
+            </a:r>
+            <a:endParaRPr lang="en-SG" sz="1050" dirty="0">
+              <a:solidFill>
+                <a:schemeClr val="bg1"/>
+              </a:solidFill>
+            </a:endParaRPr>
+          </a:p>
+        </p:txBody>
+      </p:sp>
+      <p:cxnSp>
+        <p:nvCxnSpPr>
+          <p:cNvPr id="33" name="Straight Arrow Connector 32">
+            <a:extLst>
+              <a:ext uri="{FF2B5EF4-FFF2-40B4-BE49-F238E27FC236}">
+                <a16:creationId xmlns:a16="http://schemas.microsoft.com/office/drawing/2014/main" id="{2E795BB1-BDF2-4922-980C-15E194DCAB46}"/>
+              </a:ext>
+            </a:extLst>
+          </p:cNvPr>
+          <p:cNvCxnSpPr>
+            <a:stCxn id="34" idx="3"/>
+          </p:cNvCxnSpPr>
+          <p:nvPr/>
+        </p:nvCxnSpPr>
+        <p:spPr>
+          <a:xfrm>
+            <a:off x="2640209" y="3817117"/>
+            <a:ext cx="220810" cy="5284"/>
+          </a:xfrm>
+          <a:prstGeom prst="straightConnector1">
+            <a:avLst/>
+          </a:prstGeom>
+          <a:ln w="19050">
+            <a:solidFill>
+              <a:schemeClr val="accent6">
+                <a:lumMod val="75000"/>
+              </a:schemeClr>
+            </a:solidFill>
+            <a:headEnd type="none" w="med" len="med"/>
+            <a:tailEnd type="arrow" w="med" len="med"/>
+          </a:ln>
+          <a:effectLst/>
+        </p:spPr>
+        <p:style>
+          <a:lnRef idx="1">
+            <a:schemeClr val="accent2"/>
+          </a:lnRef>
+          <a:fillRef idx="2">
+            <a:schemeClr val="accent2"/>
+          </a:fillRef>
+          <a:effectRef idx="1">
+            <a:schemeClr val="accent2"/>
+          </a:effectRef>
+          <a:fontRef idx="minor">
+            <a:schemeClr val="dk1"/>
+          </a:fontRef>
+        </p:style>
+      </p:cxnSp>
+      <p:sp>
+        <p:nvSpPr>
+          <p:cNvPr id="34" name="Flowchart: Decision 96">
+            <a:extLst>
+              <a:ext uri="{FF2B5EF4-FFF2-40B4-BE49-F238E27FC236}">
+                <a16:creationId xmlns:a16="http://schemas.microsoft.com/office/drawing/2014/main" id="{8CA253CF-1644-4F57-B9BC-B7436B0748D1}"/>
+              </a:ext>
+            </a:extLst>
+          </p:cNvPr>
+          <p:cNvSpPr/>
+          <p:nvPr/>
+        </p:nvSpPr>
+        <p:spPr>
+          <a:xfrm>
+            <a:off x="2404161" y="3730427"/>
+            <a:ext cx="236048" cy="173380"/>
+          </a:xfrm>
+          <a:prstGeom prst="flowChartDecision">
+            <a:avLst/>
+          </a:prstGeom>
+          <a:noFill/>
+          <a:ln w="19050">
+            <a:solidFill>
+              <a:schemeClr val="accent6">
+                <a:lumMod val="75000"/>
+              </a:schemeClr>
+            </a:solidFill>
+          </a:ln>
+          <a:effectLst/>
+        </p:spPr>
+        <p:style>
+          <a:lnRef idx="1">
+            <a:schemeClr val="accent2"/>
+          </a:lnRef>
+          <a:fillRef idx="2">
+            <a:schemeClr val="accent2"/>
+          </a:fillRef>
+          <a:effectRef idx="1">
+            <a:schemeClr val="accent2"/>
+          </a:effectRef>
+          <a:fontRef idx="minor">
+            <a:schemeClr val="dk1"/>
+          </a:fontRef>
+        </p:style>
+        <p:txBody>
+          <a:bodyPr rtlCol="0" anchor="ctr"/>
+          <a:lstStyle/>
+          <a:p>
+            <a:pPr algn="ctr"/>
+            <a:endParaRPr lang="en-US" sz="1050">
+              <a:solidFill>
+                <a:schemeClr val="bg1"/>
+              </a:solidFill>
+            </a:endParaRPr>
+          </a:p>
+        </p:txBody>
+      </p:sp>
+      <p:cxnSp>
+        <p:nvCxnSpPr>
+          <p:cNvPr id="38" name="Elbow Connector 122">
+            <a:extLst>
+              <a:ext uri="{FF2B5EF4-FFF2-40B4-BE49-F238E27FC236}">
+                <a16:creationId xmlns:a16="http://schemas.microsoft.com/office/drawing/2014/main" id="{B81A2D30-EA64-43DD-A9E2-99BD68B4BA5F}"/>
+              </a:ext>
+            </a:extLst>
+          </p:cNvPr>
+          <p:cNvCxnSpPr>
+            <a:cxnSpLocks/>
+            <a:stCxn id="28" idx="3"/>
+            <a:endCxn id="66" idx="2"/>
+          </p:cNvCxnSpPr>
+          <p:nvPr/>
+        </p:nvCxnSpPr>
+        <p:spPr>
+          <a:xfrm flipV="1">
+            <a:off x="5787963" y="3507170"/>
+            <a:ext cx="832191" cy="271786"/>
+          </a:xfrm>
+          <a:prstGeom prst="bentConnector2">
+            <a:avLst/>
+          </a:prstGeom>
+          <a:ln w="19050">
+            <a:solidFill>
+              <a:schemeClr val="accent6">
+                <a:lumMod val="75000"/>
+              </a:schemeClr>
+            </a:solidFill>
+            <a:prstDash val="sysDot"/>
+            <a:headEnd type="none" w="med" len="med"/>
+            <a:tailEnd type="arrow" w="med" len="med"/>
+          </a:ln>
+          <a:effectLst/>
+        </p:spPr>
+        <p:style>
+          <a:lnRef idx="1">
+            <a:schemeClr val="accent2"/>
+          </a:lnRef>
+          <a:fillRef idx="2">
+            <a:schemeClr val="accent2"/>
+          </a:fillRef>
+          <a:effectRef idx="1">
+            <a:schemeClr val="accent2"/>
           </a:effectRef>
           <a:fontRef idx="minor">
             <a:schemeClr val="dk1"/>

--- a/docs/diagrams/StorageComponentClassDiagram.pptx
+++ b/docs/diagrams/StorageComponentClassDiagram.pptx
@@ -4062,6 +4062,7 @@
         <p:nvCxnSpPr>
           <p:cNvPr id="124" name="Elbow Connector 122"/>
           <p:cNvCxnSpPr>
+            <a:cxnSpLocks/>
             <a:stCxn id="50" idx="3"/>
             <a:endCxn id="66" idx="1"/>
           </p:cNvCxnSpPr>
@@ -4070,7 +4071,7 @@
         <p:spPr>
           <a:xfrm>
             <a:off x="5791200" y="3331820"/>
-            <a:ext cx="228600" cy="1970"/>
+            <a:ext cx="381000" cy="1970"/>
           </a:xfrm>
           <a:prstGeom prst="bentConnector3">
             <a:avLst>
@@ -4538,8 +4539,8 @@
         </p:nvSpPr>
         <p:spPr>
           <a:xfrm>
-            <a:off x="6019800" y="3160410"/>
-            <a:ext cx="1200707" cy="346760"/>
+            <a:off x="6172200" y="3160410"/>
+            <a:ext cx="1041701" cy="346760"/>
           </a:xfrm>
           <a:prstGeom prst="rect">
             <a:avLst/>
@@ -4743,6 +4744,7 @@
         <p:nvCxnSpPr>
           <p:cNvPr id="77" name="Elbow Connector 122"/>
           <p:cNvCxnSpPr>
+            <a:cxnSpLocks/>
             <a:stCxn id="66" idx="3"/>
             <a:endCxn id="74" idx="1"/>
           </p:cNvCxnSpPr>
@@ -4750,8 +4752,8 @@
         </p:nvCxnSpPr>
         <p:spPr>
           <a:xfrm flipV="1">
-            <a:off x="7220507" y="3333004"/>
-            <a:ext cx="395231" cy="786"/>
+            <a:off x="7213901" y="3333004"/>
+            <a:ext cx="401837" cy="786"/>
           </a:xfrm>
           <a:prstGeom prst="bentConnector3">
             <a:avLst>
@@ -5272,7 +5274,7 @@
         <p:spPr>
           <a:xfrm flipV="1">
             <a:off x="5787963" y="3507170"/>
-            <a:ext cx="832191" cy="271786"/>
+            <a:ext cx="905088" cy="271786"/>
           </a:xfrm>
           <a:prstGeom prst="bentConnector2">
             <a:avLst/>

--- a/docs/diagrams/StorageComponentClassDiagram.pptx
+++ b/docs/diagrams/StorageComponentClassDiagram.pptx
@@ -208,7 +208,7 @@
           <a:p>
             <a:fld id="{F5CC4B3F-88C1-4FFA-B1B6-F41C21DC6924}" type="datetimeFigureOut">
               <a:rPr lang="en-US" smtClean="0"/>
-              <a:t>3/26/2018</a:t>
+              <a:t>4/10/2018</a:t>
             </a:fld>
             <a:endParaRPr lang="en-US"/>
           </a:p>
@@ -654,7 +654,7 @@
           <a:p>
             <a:fld id="{78C97017-6FC3-485B-9764-EAC9E56C1D49}" type="datetimeFigureOut">
               <a:rPr lang="en-US" smtClean="0"/>
-              <a:t>3/26/2018</a:t>
+              <a:t>4/10/2018</a:t>
             </a:fld>
             <a:endParaRPr lang="en-US"/>
           </a:p>
@@ -822,7 +822,7 @@
           <a:p>
             <a:fld id="{78C97017-6FC3-485B-9764-EAC9E56C1D49}" type="datetimeFigureOut">
               <a:rPr lang="en-US" smtClean="0"/>
-              <a:t>3/26/2018</a:t>
+              <a:t>4/10/2018</a:t>
             </a:fld>
             <a:endParaRPr lang="en-US"/>
           </a:p>
@@ -1000,7 +1000,7 @@
           <a:p>
             <a:fld id="{78C97017-6FC3-485B-9764-EAC9E56C1D49}" type="datetimeFigureOut">
               <a:rPr lang="en-US" smtClean="0"/>
-              <a:t>3/26/2018</a:t>
+              <a:t>4/10/2018</a:t>
             </a:fld>
             <a:endParaRPr lang="en-US"/>
           </a:p>
@@ -1168,7 +1168,7 @@
           <a:p>
             <a:fld id="{78C97017-6FC3-485B-9764-EAC9E56C1D49}" type="datetimeFigureOut">
               <a:rPr lang="en-US" smtClean="0"/>
-              <a:t>3/26/2018</a:t>
+              <a:t>4/10/2018</a:t>
             </a:fld>
             <a:endParaRPr lang="en-US"/>
           </a:p>
@@ -1413,7 +1413,7 @@
           <a:p>
             <a:fld id="{78C97017-6FC3-485B-9764-EAC9E56C1D49}" type="datetimeFigureOut">
               <a:rPr lang="en-US" smtClean="0"/>
-              <a:t>3/26/2018</a:t>
+              <a:t>4/10/2018</a:t>
             </a:fld>
             <a:endParaRPr lang="en-US"/>
           </a:p>
@@ -1698,7 +1698,7 @@
           <a:p>
             <a:fld id="{78C97017-6FC3-485B-9764-EAC9E56C1D49}" type="datetimeFigureOut">
               <a:rPr lang="en-US" smtClean="0"/>
-              <a:t>3/26/2018</a:t>
+              <a:t>4/10/2018</a:t>
             </a:fld>
             <a:endParaRPr lang="en-US"/>
           </a:p>
@@ -2117,7 +2117,7 @@
           <a:p>
             <a:fld id="{78C97017-6FC3-485B-9764-EAC9E56C1D49}" type="datetimeFigureOut">
               <a:rPr lang="en-US" smtClean="0"/>
-              <a:t>3/26/2018</a:t>
+              <a:t>4/10/2018</a:t>
             </a:fld>
             <a:endParaRPr lang="en-US"/>
           </a:p>
@@ -2234,7 +2234,7 @@
           <a:p>
             <a:fld id="{78C97017-6FC3-485B-9764-EAC9E56C1D49}" type="datetimeFigureOut">
               <a:rPr lang="en-US" smtClean="0"/>
-              <a:t>3/26/2018</a:t>
+              <a:t>4/10/2018</a:t>
             </a:fld>
             <a:endParaRPr lang="en-US"/>
           </a:p>
@@ -2329,7 +2329,7 @@
           <a:p>
             <a:fld id="{78C97017-6FC3-485B-9764-EAC9E56C1D49}" type="datetimeFigureOut">
               <a:rPr lang="en-US" smtClean="0"/>
-              <a:t>3/26/2018</a:t>
+              <a:t>4/10/2018</a:t>
             </a:fld>
             <a:endParaRPr lang="en-US"/>
           </a:p>
@@ -2604,7 +2604,7 @@
           <a:p>
             <a:fld id="{78C97017-6FC3-485B-9764-EAC9E56C1D49}" type="datetimeFigureOut">
               <a:rPr lang="en-US" smtClean="0"/>
-              <a:t>3/26/2018</a:t>
+              <a:t>4/10/2018</a:t>
             </a:fld>
             <a:endParaRPr lang="en-US"/>
           </a:p>
@@ -2856,7 +2856,7 @@
           <a:p>
             <a:fld id="{78C97017-6FC3-485B-9764-EAC9E56C1D49}" type="datetimeFigureOut">
               <a:rPr lang="en-US" smtClean="0"/>
-              <a:t>3/26/2018</a:t>
+              <a:t>4/10/2018</a:t>
             </a:fld>
             <a:endParaRPr lang="en-US"/>
           </a:p>
@@ -3067,7 +3067,7 @@
           <a:p>
             <a:fld id="{78C97017-6FC3-485B-9764-EAC9E56C1D49}" type="datetimeFigureOut">
               <a:rPr lang="en-US" smtClean="0"/>
-              <a:t>3/26/2018</a:t>
+              <a:t>4/10/2018</a:t>
             </a:fld>
             <a:endParaRPr lang="en-US"/>
           </a:p>
@@ -3451,7 +3451,7 @@
         <p:spPr>
           <a:xfrm>
             <a:off x="1119865" y="2288860"/>
-            <a:ext cx="7871735" cy="2051680"/>
+            <a:ext cx="7871735" cy="2352600"/>
           </a:xfrm>
           <a:prstGeom prst="roundRect">
             <a:avLst>
@@ -3593,8 +3593,8 @@
         </p:nvSpPr>
         <p:spPr>
           <a:xfrm rot="16200000">
-            <a:off x="1568811" y="3159243"/>
-            <a:ext cx="1323939" cy="346760"/>
+            <a:off x="1336666" y="3391389"/>
+            <a:ext cx="1788230" cy="346760"/>
           </a:xfrm>
           <a:prstGeom prst="rect">
             <a:avLst/>
@@ -3656,8 +3656,8 @@
         </p:nvSpPr>
         <p:spPr>
           <a:xfrm rot="16200000">
-            <a:off x="841050" y="3159242"/>
-            <a:ext cx="1323939" cy="346760"/>
+            <a:off x="608904" y="3391388"/>
+            <a:ext cx="1788231" cy="346760"/>
           </a:xfrm>
           <a:prstGeom prst="rect">
             <a:avLst/>
@@ -5300,6 +5300,612 @@
           </a:fillRef>
           <a:effectRef idx="1">
             <a:schemeClr val="accent2"/>
+          </a:effectRef>
+          <a:fontRef idx="minor">
+            <a:schemeClr val="dk1"/>
+          </a:fontRef>
+        </p:style>
+      </p:cxnSp>
+      <p:sp>
+        <p:nvSpPr>
+          <p:cNvPr id="35" name="Rectangle 8">
+            <a:extLst>
+              <a:ext uri="{FF2B5EF4-FFF2-40B4-BE49-F238E27FC236}">
+                <a16:creationId xmlns:a16="http://schemas.microsoft.com/office/drawing/2014/main" id="{4408B416-5869-40DC-93AA-FEDE5CFA5C3C}"/>
+              </a:ext>
+            </a:extLst>
+          </p:cNvPr>
+          <p:cNvSpPr/>
+          <p:nvPr/>
+        </p:nvSpPr>
+        <p:spPr>
+          <a:xfrm>
+            <a:off x="2873942" y="4118190"/>
+            <a:ext cx="1323049" cy="346760"/>
+          </a:xfrm>
+          <a:prstGeom prst="rect">
+            <a:avLst/>
+          </a:prstGeom>
+          <a:solidFill>
+            <a:schemeClr val="accent6">
+              <a:lumMod val="75000"/>
+            </a:schemeClr>
+          </a:solidFill>
+          <a:ln w="19050">
+            <a:solidFill>
+              <a:schemeClr val="accent6">
+                <a:lumMod val="75000"/>
+              </a:schemeClr>
+            </a:solidFill>
+          </a:ln>
+          <a:effectLst/>
+        </p:spPr>
+        <p:style>
+          <a:lnRef idx="1">
+            <a:schemeClr val="accent2"/>
+          </a:lnRef>
+          <a:fillRef idx="2">
+            <a:schemeClr val="accent2"/>
+          </a:fillRef>
+          <a:effectRef idx="1">
+            <a:schemeClr val="accent2"/>
+          </a:effectRef>
+          <a:fontRef idx="minor">
+            <a:schemeClr val="dk1"/>
+          </a:fontRef>
+        </p:style>
+        <p:txBody>
+          <a:bodyPr rtlCol="0" anchor="ctr"/>
+          <a:lstStyle/>
+          <a:p>
+            <a:pPr algn="ctr"/>
+            <a:r>
+              <a:rPr lang="en-US" sz="1050" dirty="0">
+                <a:solidFill>
+                  <a:schemeClr val="bg1"/>
+                </a:solidFill>
+              </a:rPr>
+              <a:t>&lt;&lt;interface&gt;&gt;</a:t>
+            </a:r>
+            <a:br>
+              <a:rPr lang="en-US" sz="1050" dirty="0">
+                <a:solidFill>
+                  <a:schemeClr val="bg1"/>
+                </a:solidFill>
+              </a:rPr>
+            </a:br>
+            <a:r>
+              <a:rPr lang="en-US" sz="1050" dirty="0" err="1">
+                <a:solidFill>
+                  <a:schemeClr val="bg1"/>
+                </a:solidFill>
+              </a:rPr>
+              <a:t>AliasListStorage</a:t>
+            </a:r>
+            <a:endParaRPr lang="en-SG" sz="1050" dirty="0">
+              <a:solidFill>
+                <a:schemeClr val="bg1"/>
+              </a:solidFill>
+            </a:endParaRPr>
+          </a:p>
+        </p:txBody>
+      </p:sp>
+      <p:cxnSp>
+        <p:nvCxnSpPr>
+          <p:cNvPr id="36" name="Straight Arrow Connector 35">
+            <a:extLst>
+              <a:ext uri="{FF2B5EF4-FFF2-40B4-BE49-F238E27FC236}">
+                <a16:creationId xmlns:a16="http://schemas.microsoft.com/office/drawing/2014/main" id="{8EAA5190-6F05-47A8-9512-6B74B90E6846}"/>
+              </a:ext>
+            </a:extLst>
+          </p:cNvPr>
+          <p:cNvCxnSpPr>
+            <a:stCxn id="37" idx="3"/>
+          </p:cNvCxnSpPr>
+          <p:nvPr/>
+        </p:nvCxnSpPr>
+        <p:spPr>
+          <a:xfrm>
+            <a:off x="2640209" y="4287474"/>
+            <a:ext cx="220810" cy="5284"/>
+          </a:xfrm>
+          <a:prstGeom prst="straightConnector1">
+            <a:avLst/>
+          </a:prstGeom>
+          <a:ln w="19050">
+            <a:solidFill>
+              <a:schemeClr val="accent6">
+                <a:lumMod val="75000"/>
+              </a:schemeClr>
+            </a:solidFill>
+            <a:headEnd type="none" w="med" len="med"/>
+            <a:tailEnd type="arrow" w="med" len="med"/>
+          </a:ln>
+          <a:effectLst/>
+        </p:spPr>
+        <p:style>
+          <a:lnRef idx="1">
+            <a:schemeClr val="accent2"/>
+          </a:lnRef>
+          <a:fillRef idx="2">
+            <a:schemeClr val="accent2"/>
+          </a:fillRef>
+          <a:effectRef idx="1">
+            <a:schemeClr val="accent2"/>
+          </a:effectRef>
+          <a:fontRef idx="minor">
+            <a:schemeClr val="dk1"/>
+          </a:fontRef>
+        </p:style>
+      </p:cxnSp>
+      <p:sp>
+        <p:nvSpPr>
+          <p:cNvPr id="37" name="Flowchart: Decision 96">
+            <a:extLst>
+              <a:ext uri="{FF2B5EF4-FFF2-40B4-BE49-F238E27FC236}">
+                <a16:creationId xmlns:a16="http://schemas.microsoft.com/office/drawing/2014/main" id="{1278DC64-3510-4A33-957D-7382D0AE0B96}"/>
+              </a:ext>
+            </a:extLst>
+          </p:cNvPr>
+          <p:cNvSpPr/>
+          <p:nvPr/>
+        </p:nvSpPr>
+        <p:spPr>
+          <a:xfrm>
+            <a:off x="2404161" y="4200784"/>
+            <a:ext cx="236048" cy="173380"/>
+          </a:xfrm>
+          <a:prstGeom prst="flowChartDecision">
+            <a:avLst/>
+          </a:prstGeom>
+          <a:noFill/>
+          <a:ln w="19050">
+            <a:solidFill>
+              <a:schemeClr val="accent6">
+                <a:lumMod val="75000"/>
+              </a:schemeClr>
+            </a:solidFill>
+          </a:ln>
+          <a:effectLst/>
+        </p:spPr>
+        <p:style>
+          <a:lnRef idx="1">
+            <a:schemeClr val="accent2"/>
+          </a:lnRef>
+          <a:fillRef idx="2">
+            <a:schemeClr val="accent2"/>
+          </a:fillRef>
+          <a:effectRef idx="1">
+            <a:schemeClr val="accent2"/>
+          </a:effectRef>
+          <a:fontRef idx="minor">
+            <a:schemeClr val="dk1"/>
+          </a:fontRef>
+        </p:style>
+        <p:txBody>
+          <a:bodyPr rtlCol="0" anchor="ctr"/>
+          <a:lstStyle/>
+          <a:p>
+            <a:pPr algn="ctr"/>
+            <a:endParaRPr lang="en-US" sz="1050">
+              <a:solidFill>
+                <a:schemeClr val="bg1"/>
+              </a:solidFill>
+            </a:endParaRPr>
+          </a:p>
+        </p:txBody>
+      </p:sp>
+      <p:cxnSp>
+        <p:nvCxnSpPr>
+          <p:cNvPr id="39" name="Elbow Connector 63">
+            <a:extLst>
+              <a:ext uri="{FF2B5EF4-FFF2-40B4-BE49-F238E27FC236}">
+                <a16:creationId xmlns:a16="http://schemas.microsoft.com/office/drawing/2014/main" id="{902EBC94-0F04-4A4B-B407-D6E8EB6FF9F9}"/>
+              </a:ext>
+            </a:extLst>
+          </p:cNvPr>
+          <p:cNvCxnSpPr>
+            <a:stCxn id="40" idx="3"/>
+            <a:endCxn id="41" idx="1"/>
+          </p:cNvCxnSpPr>
+          <p:nvPr/>
+        </p:nvCxnSpPr>
+        <p:spPr>
+          <a:xfrm flipV="1">
+            <a:off x="4392303" y="4287474"/>
+            <a:ext cx="223324" cy="1"/>
+          </a:xfrm>
+          <a:prstGeom prst="bentConnector3">
+            <a:avLst>
+              <a:gd name="adj1" fmla="val 50000"/>
+            </a:avLst>
+          </a:prstGeom>
+          <a:ln w="19050">
+            <a:solidFill>
+              <a:schemeClr val="accent6">
+                <a:lumMod val="75000"/>
+              </a:schemeClr>
+            </a:solidFill>
+            <a:prstDash val="sysDot"/>
+            <a:headEnd type="none" w="med" len="med"/>
+            <a:tailEnd type="none" w="med" len="med"/>
+          </a:ln>
+          <a:effectLst/>
+        </p:spPr>
+        <p:style>
+          <a:lnRef idx="1">
+            <a:schemeClr val="accent2"/>
+          </a:lnRef>
+          <a:fillRef idx="2">
+            <a:schemeClr val="accent2"/>
+          </a:fillRef>
+          <a:effectRef idx="1">
+            <a:schemeClr val="accent2"/>
+          </a:effectRef>
+          <a:fontRef idx="minor">
+            <a:schemeClr val="dk1"/>
+          </a:fontRef>
+        </p:style>
+      </p:cxnSp>
+      <p:sp>
+        <p:nvSpPr>
+          <p:cNvPr id="40" name="Isosceles Triangle 102">
+            <a:extLst>
+              <a:ext uri="{FF2B5EF4-FFF2-40B4-BE49-F238E27FC236}">
+                <a16:creationId xmlns:a16="http://schemas.microsoft.com/office/drawing/2014/main" id="{798A64F2-93B0-4739-A091-E5EBC35D31B2}"/>
+              </a:ext>
+            </a:extLst>
+          </p:cNvPr>
+          <p:cNvSpPr/>
+          <p:nvPr/>
+        </p:nvSpPr>
+        <p:spPr>
+          <a:xfrm rot="5400000" flipV="1">
+            <a:off x="4169289" y="4199713"/>
+            <a:ext cx="270504" cy="175523"/>
+          </a:xfrm>
+          <a:prstGeom prst="triangle">
+            <a:avLst/>
+          </a:prstGeom>
+          <a:solidFill>
+            <a:schemeClr val="accent6">
+              <a:lumMod val="75000"/>
+            </a:schemeClr>
+          </a:solidFill>
+          <a:ln w="19050">
+            <a:solidFill>
+              <a:schemeClr val="accent6">
+                <a:lumMod val="75000"/>
+              </a:schemeClr>
+            </a:solidFill>
+          </a:ln>
+          <a:effectLst/>
+        </p:spPr>
+        <p:style>
+          <a:lnRef idx="1">
+            <a:schemeClr val="accent2"/>
+          </a:lnRef>
+          <a:fillRef idx="2">
+            <a:schemeClr val="accent2"/>
+          </a:fillRef>
+          <a:effectRef idx="1">
+            <a:schemeClr val="accent2"/>
+          </a:effectRef>
+          <a:fontRef idx="minor">
+            <a:schemeClr val="dk1"/>
+          </a:fontRef>
+        </p:style>
+        <p:txBody>
+          <a:bodyPr rtlCol="0" anchor="ctr"/>
+          <a:lstStyle/>
+          <a:p>
+            <a:pPr algn="ctr"/>
+            <a:endParaRPr lang="en-SG" sz="1050">
+              <a:solidFill>
+                <a:schemeClr val="bg1"/>
+              </a:solidFill>
+            </a:endParaRPr>
+          </a:p>
+        </p:txBody>
+      </p:sp>
+      <p:sp>
+        <p:nvSpPr>
+          <p:cNvPr id="41" name="Rectangle 8">
+            <a:extLst>
+              <a:ext uri="{FF2B5EF4-FFF2-40B4-BE49-F238E27FC236}">
+                <a16:creationId xmlns:a16="http://schemas.microsoft.com/office/drawing/2014/main" id="{421192AE-05E2-4F8D-85BE-72E746B6B167}"/>
+              </a:ext>
+            </a:extLst>
+          </p:cNvPr>
+          <p:cNvSpPr/>
+          <p:nvPr/>
+        </p:nvSpPr>
+        <p:spPr>
+          <a:xfrm>
+            <a:off x="4615627" y="4114094"/>
+            <a:ext cx="1169835" cy="346760"/>
+          </a:xfrm>
+          <a:prstGeom prst="rect">
+            <a:avLst/>
+          </a:prstGeom>
+          <a:ln w="19050"/>
+          <a:effectLst/>
+        </p:spPr>
+        <p:style>
+          <a:lnRef idx="1">
+            <a:schemeClr val="accent6"/>
+          </a:lnRef>
+          <a:fillRef idx="2">
+            <a:schemeClr val="accent6"/>
+          </a:fillRef>
+          <a:effectRef idx="1">
+            <a:schemeClr val="accent6"/>
+          </a:effectRef>
+          <a:fontRef idx="minor">
+            <a:schemeClr val="dk1"/>
+          </a:fontRef>
+        </p:style>
+        <p:txBody>
+          <a:bodyPr rtlCol="0" anchor="ctr"/>
+          <a:lstStyle/>
+          <a:p>
+            <a:pPr algn="ctr"/>
+            <a:r>
+              <a:rPr lang="en-US" sz="1050" b="1" dirty="0" err="1">
+                <a:solidFill>
+                  <a:schemeClr val="accent6">
+                    <a:lumMod val="75000"/>
+                  </a:schemeClr>
+                </a:solidFill>
+              </a:rPr>
+              <a:t>XmlAliasList</a:t>
+            </a:r>
+            <a:br>
+              <a:rPr lang="en-US" sz="1050" b="1" dirty="0">
+                <a:solidFill>
+                  <a:schemeClr val="accent6">
+                    <a:lumMod val="75000"/>
+                  </a:schemeClr>
+                </a:solidFill>
+              </a:rPr>
+            </a:br>
+            <a:r>
+              <a:rPr lang="en-US" sz="1050" b="1" dirty="0">
+                <a:solidFill>
+                  <a:schemeClr val="accent6">
+                    <a:lumMod val="75000"/>
+                  </a:schemeClr>
+                </a:solidFill>
+              </a:rPr>
+              <a:t>Storage</a:t>
+            </a:r>
+            <a:endParaRPr lang="en-SG" sz="1050" b="1" dirty="0">
+              <a:solidFill>
+                <a:schemeClr val="accent6">
+                  <a:lumMod val="75000"/>
+                </a:schemeClr>
+              </a:solidFill>
+            </a:endParaRPr>
+          </a:p>
+        </p:txBody>
+      </p:sp>
+      <p:cxnSp>
+        <p:nvCxnSpPr>
+          <p:cNvPr id="43" name="Elbow Connector 122">
+            <a:extLst>
+              <a:ext uri="{FF2B5EF4-FFF2-40B4-BE49-F238E27FC236}">
+                <a16:creationId xmlns:a16="http://schemas.microsoft.com/office/drawing/2014/main" id="{50EF4281-D231-4B0C-B8BF-BDAFA37A3857}"/>
+              </a:ext>
+            </a:extLst>
+          </p:cNvPr>
+          <p:cNvCxnSpPr>
+            <a:cxnSpLocks/>
+            <a:endCxn id="44" idx="1"/>
+          </p:cNvCxnSpPr>
+          <p:nvPr/>
+        </p:nvCxnSpPr>
+        <p:spPr>
+          <a:xfrm>
+            <a:off x="5791200" y="4285504"/>
+            <a:ext cx="381000" cy="1970"/>
+          </a:xfrm>
+          <a:prstGeom prst="bentConnector3">
+            <a:avLst>
+              <a:gd name="adj1" fmla="val 50000"/>
+            </a:avLst>
+          </a:prstGeom>
+          <a:ln w="19050">
+            <a:solidFill>
+              <a:schemeClr val="accent6">
+                <a:lumMod val="75000"/>
+              </a:schemeClr>
+            </a:solidFill>
+            <a:prstDash val="sysDot"/>
+            <a:headEnd type="none" w="med" len="med"/>
+            <a:tailEnd type="arrow" w="med" len="med"/>
+          </a:ln>
+          <a:effectLst/>
+        </p:spPr>
+        <p:style>
+          <a:lnRef idx="1">
+            <a:schemeClr val="accent2"/>
+          </a:lnRef>
+          <a:fillRef idx="2">
+            <a:schemeClr val="accent2"/>
+          </a:fillRef>
+          <a:effectRef idx="1">
+            <a:schemeClr val="accent2"/>
+          </a:effectRef>
+          <a:fontRef idx="minor">
+            <a:schemeClr val="dk1"/>
+          </a:fontRef>
+        </p:style>
+      </p:cxnSp>
+      <p:sp>
+        <p:nvSpPr>
+          <p:cNvPr id="44" name="Rectangle 8">
+            <a:extLst>
+              <a:ext uri="{FF2B5EF4-FFF2-40B4-BE49-F238E27FC236}">
+                <a16:creationId xmlns:a16="http://schemas.microsoft.com/office/drawing/2014/main" id="{EFEA3B31-7C6E-4495-AA2B-6B4A4E4A66E2}"/>
+              </a:ext>
+            </a:extLst>
+          </p:cNvPr>
+          <p:cNvSpPr/>
+          <p:nvPr/>
+        </p:nvSpPr>
+        <p:spPr>
+          <a:xfrm>
+            <a:off x="6172200" y="4114094"/>
+            <a:ext cx="1041701" cy="346760"/>
+          </a:xfrm>
+          <a:prstGeom prst="rect">
+            <a:avLst/>
+          </a:prstGeom>
+          <a:ln w="19050"/>
+          <a:effectLst/>
+        </p:spPr>
+        <p:style>
+          <a:lnRef idx="1">
+            <a:schemeClr val="accent6"/>
+          </a:lnRef>
+          <a:fillRef idx="2">
+            <a:schemeClr val="accent6"/>
+          </a:fillRef>
+          <a:effectRef idx="1">
+            <a:schemeClr val="accent6"/>
+          </a:effectRef>
+          <a:fontRef idx="minor">
+            <a:schemeClr val="dk1"/>
+          </a:fontRef>
+        </p:style>
+        <p:txBody>
+          <a:bodyPr rtlCol="0" anchor="ctr"/>
+          <a:lstStyle/>
+          <a:p>
+            <a:pPr algn="ctr"/>
+            <a:r>
+              <a:rPr lang="en-US" sz="1050" b="1" dirty="0" err="1">
+                <a:solidFill>
+                  <a:schemeClr val="accent6">
+                    <a:lumMod val="75000"/>
+                  </a:schemeClr>
+                </a:solidFill>
+              </a:rPr>
+              <a:t>XmlSerializableAliasList</a:t>
+            </a:r>
+            <a:endParaRPr lang="en-SG" sz="1050" b="1" dirty="0">
+              <a:solidFill>
+                <a:schemeClr val="accent6">
+                  <a:lumMod val="75000"/>
+                </a:schemeClr>
+              </a:solidFill>
+            </a:endParaRPr>
+          </a:p>
+        </p:txBody>
+      </p:sp>
+      <p:sp>
+        <p:nvSpPr>
+          <p:cNvPr id="45" name="Rectangle 8">
+            <a:extLst>
+              <a:ext uri="{FF2B5EF4-FFF2-40B4-BE49-F238E27FC236}">
+                <a16:creationId xmlns:a16="http://schemas.microsoft.com/office/drawing/2014/main" id="{118884D8-8730-4B9A-A03F-DC9C2A9B2839}"/>
+              </a:ext>
+            </a:extLst>
+          </p:cNvPr>
+          <p:cNvSpPr/>
+          <p:nvPr/>
+        </p:nvSpPr>
+        <p:spPr>
+          <a:xfrm>
+            <a:off x="7615738" y="4112124"/>
+            <a:ext cx="1259718" cy="346760"/>
+          </a:xfrm>
+          <a:prstGeom prst="rect">
+            <a:avLst/>
+          </a:prstGeom>
+          <a:ln w="19050"/>
+          <a:effectLst/>
+        </p:spPr>
+        <p:style>
+          <a:lnRef idx="1">
+            <a:schemeClr val="accent6"/>
+          </a:lnRef>
+          <a:fillRef idx="2">
+            <a:schemeClr val="accent6"/>
+          </a:fillRef>
+          <a:effectRef idx="1">
+            <a:schemeClr val="accent6"/>
+          </a:effectRef>
+          <a:fontRef idx="minor">
+            <a:schemeClr val="dk1"/>
+          </a:fontRef>
+        </p:style>
+        <p:txBody>
+          <a:bodyPr rtlCol="0" anchor="ctr"/>
+          <a:lstStyle/>
+          <a:p>
+            <a:pPr algn="ctr"/>
+            <a:r>
+              <a:rPr lang="en-US" sz="1050" b="1" dirty="0" err="1">
+                <a:solidFill>
+                  <a:schemeClr val="accent6">
+                    <a:lumMod val="75000"/>
+                  </a:schemeClr>
+                </a:solidFill>
+              </a:rPr>
+              <a:t>XmlAdaptedAlias</a:t>
+            </a:r>
+            <a:endParaRPr lang="en-SG" sz="1050" b="1" dirty="0">
+              <a:solidFill>
+                <a:schemeClr val="accent6">
+                  <a:lumMod val="75000"/>
+                </a:schemeClr>
+              </a:solidFill>
+            </a:endParaRPr>
+          </a:p>
+        </p:txBody>
+      </p:sp>
+      <p:cxnSp>
+        <p:nvCxnSpPr>
+          <p:cNvPr id="46" name="Elbow Connector 122">
+            <a:extLst>
+              <a:ext uri="{FF2B5EF4-FFF2-40B4-BE49-F238E27FC236}">
+                <a16:creationId xmlns:a16="http://schemas.microsoft.com/office/drawing/2014/main" id="{75FB8461-74A7-493A-9FBA-53F5F51B0B66}"/>
+              </a:ext>
+            </a:extLst>
+          </p:cNvPr>
+          <p:cNvCxnSpPr>
+            <a:cxnSpLocks/>
+            <a:endCxn id="45" idx="1"/>
+          </p:cNvCxnSpPr>
+          <p:nvPr/>
+        </p:nvCxnSpPr>
+        <p:spPr>
+          <a:xfrm flipV="1">
+            <a:off x="7213901" y="4285504"/>
+            <a:ext cx="401837" cy="786"/>
+          </a:xfrm>
+          <a:prstGeom prst="bentConnector3">
+            <a:avLst>
+              <a:gd name="adj1" fmla="val 50000"/>
+            </a:avLst>
+          </a:prstGeom>
+          <a:ln w="19050">
+            <a:prstDash val="sysDot"/>
+            <a:headEnd type="none" w="med" len="med"/>
+            <a:tailEnd type="arrow" w="med" len="med"/>
+          </a:ln>
+          <a:effectLst/>
+        </p:spPr>
+        <p:style>
+          <a:lnRef idx="1">
+            <a:schemeClr val="accent6"/>
+          </a:lnRef>
+          <a:fillRef idx="2">
+            <a:schemeClr val="accent6"/>
+          </a:fillRef>
+          <a:effectRef idx="1">
+            <a:schemeClr val="accent6"/>
           </a:effectRef>
           <a:fontRef idx="minor">
             <a:schemeClr val="dk1"/>

--- a/docs/diagrams/StorageComponentClassDiagram.pptx
+++ b/docs/diagrams/StorageComponentClassDiagram.pptx
@@ -208,7 +208,7 @@
           <a:p>
             <a:fld id="{F5CC4B3F-88C1-4FFA-B1B6-F41C21DC6924}" type="datetimeFigureOut">
               <a:rPr lang="en-US" smtClean="0"/>
-              <a:t>4/10/2018</a:t>
+              <a:t>4/11/2018</a:t>
             </a:fld>
             <a:endParaRPr lang="en-US"/>
           </a:p>
@@ -654,7 +654,7 @@
           <a:p>
             <a:fld id="{78C97017-6FC3-485B-9764-EAC9E56C1D49}" type="datetimeFigureOut">
               <a:rPr lang="en-US" smtClean="0"/>
-              <a:t>4/10/2018</a:t>
+              <a:t>4/11/2018</a:t>
             </a:fld>
             <a:endParaRPr lang="en-US"/>
           </a:p>
@@ -822,7 +822,7 @@
           <a:p>
             <a:fld id="{78C97017-6FC3-485B-9764-EAC9E56C1D49}" type="datetimeFigureOut">
               <a:rPr lang="en-US" smtClean="0"/>
-              <a:t>4/10/2018</a:t>
+              <a:t>4/11/2018</a:t>
             </a:fld>
             <a:endParaRPr lang="en-US"/>
           </a:p>
@@ -1000,7 +1000,7 @@
           <a:p>
             <a:fld id="{78C97017-6FC3-485B-9764-EAC9E56C1D49}" type="datetimeFigureOut">
               <a:rPr lang="en-US" smtClean="0"/>
-              <a:t>4/10/2018</a:t>
+              <a:t>4/11/2018</a:t>
             </a:fld>
             <a:endParaRPr lang="en-US"/>
           </a:p>
@@ -1168,7 +1168,7 @@
           <a:p>
             <a:fld id="{78C97017-6FC3-485B-9764-EAC9E56C1D49}" type="datetimeFigureOut">
               <a:rPr lang="en-US" smtClean="0"/>
-              <a:t>4/10/2018</a:t>
+              <a:t>4/11/2018</a:t>
             </a:fld>
             <a:endParaRPr lang="en-US"/>
           </a:p>
@@ -1413,7 +1413,7 @@
           <a:p>
             <a:fld id="{78C97017-6FC3-485B-9764-EAC9E56C1D49}" type="datetimeFigureOut">
               <a:rPr lang="en-US" smtClean="0"/>
-              <a:t>4/10/2018</a:t>
+              <a:t>4/11/2018</a:t>
             </a:fld>
             <a:endParaRPr lang="en-US"/>
           </a:p>
@@ -1698,7 +1698,7 @@
           <a:p>
             <a:fld id="{78C97017-6FC3-485B-9764-EAC9E56C1D49}" type="datetimeFigureOut">
               <a:rPr lang="en-US" smtClean="0"/>
-              <a:t>4/10/2018</a:t>
+              <a:t>4/11/2018</a:t>
             </a:fld>
             <a:endParaRPr lang="en-US"/>
           </a:p>
@@ -2117,7 +2117,7 @@
           <a:p>
             <a:fld id="{78C97017-6FC3-485B-9764-EAC9E56C1D49}" type="datetimeFigureOut">
               <a:rPr lang="en-US" smtClean="0"/>
-              <a:t>4/10/2018</a:t>
+              <a:t>4/11/2018</a:t>
             </a:fld>
             <a:endParaRPr lang="en-US"/>
           </a:p>
@@ -2234,7 +2234,7 @@
           <a:p>
             <a:fld id="{78C97017-6FC3-485B-9764-EAC9E56C1D49}" type="datetimeFigureOut">
               <a:rPr lang="en-US" smtClean="0"/>
-              <a:t>4/10/2018</a:t>
+              <a:t>4/11/2018</a:t>
             </a:fld>
             <a:endParaRPr lang="en-US"/>
           </a:p>
@@ -2329,7 +2329,7 @@
           <a:p>
             <a:fld id="{78C97017-6FC3-485B-9764-EAC9E56C1D49}" type="datetimeFigureOut">
               <a:rPr lang="en-US" smtClean="0"/>
-              <a:t>4/10/2018</a:t>
+              <a:t>4/11/2018</a:t>
             </a:fld>
             <a:endParaRPr lang="en-US"/>
           </a:p>
@@ -2604,7 +2604,7 @@
           <a:p>
             <a:fld id="{78C97017-6FC3-485B-9764-EAC9E56C1D49}" type="datetimeFigureOut">
               <a:rPr lang="en-US" smtClean="0"/>
-              <a:t>4/10/2018</a:t>
+              <a:t>4/11/2018</a:t>
             </a:fld>
             <a:endParaRPr lang="en-US"/>
           </a:p>
@@ -2856,7 +2856,7 @@
           <a:p>
             <a:fld id="{78C97017-6FC3-485B-9764-EAC9E56C1D49}" type="datetimeFigureOut">
               <a:rPr lang="en-US" smtClean="0"/>
-              <a:t>4/10/2018</a:t>
+              <a:t>4/11/2018</a:t>
             </a:fld>
             <a:endParaRPr lang="en-US"/>
           </a:p>
@@ -3067,7 +3067,7 @@
           <a:p>
             <a:fld id="{78C97017-6FC3-485B-9764-EAC9E56C1D49}" type="datetimeFigureOut">
               <a:rPr lang="en-US" smtClean="0"/>
-              <a:t>4/10/2018</a:t>
+              <a:t>4/11/2018</a:t>
             </a:fld>
             <a:endParaRPr lang="en-US"/>
           </a:p>
@@ -3451,7 +3451,7 @@
         <p:spPr>
           <a:xfrm>
             <a:off x="1119865" y="2288860"/>
-            <a:ext cx="7871735" cy="2352600"/>
+            <a:ext cx="7871735" cy="2508880"/>
           </a:xfrm>
           <a:prstGeom prst="roundRect">
             <a:avLst>
@@ -3593,8 +3593,8 @@
         </p:nvSpPr>
         <p:spPr>
           <a:xfrm rot="16200000">
-            <a:off x="1336666" y="3391389"/>
-            <a:ext cx="1788230" cy="346760"/>
+            <a:off x="1234454" y="3493601"/>
+            <a:ext cx="1992654" cy="346760"/>
           </a:xfrm>
           <a:prstGeom prst="rect">
             <a:avLst/>
@@ -3656,8 +3656,8 @@
         </p:nvSpPr>
         <p:spPr>
           <a:xfrm rot="16200000">
-            <a:off x="608904" y="3391388"/>
-            <a:ext cx="1788231" cy="346760"/>
+            <a:off x="506692" y="3493600"/>
+            <a:ext cx="1992655" cy="346760"/>
           </a:xfrm>
           <a:prstGeom prst="rect">
             <a:avLst/>
@@ -4906,7 +4906,7 @@
         </p:nvSpPr>
         <p:spPr>
           <a:xfrm>
-            <a:off x="4618128" y="3605576"/>
+            <a:off x="4618128" y="3810000"/>
             <a:ext cx="1169835" cy="346760"/>
           </a:xfrm>
           <a:prstGeom prst="rect">
@@ -4970,7 +4970,7 @@
         </p:nvCxnSpPr>
         <p:spPr>
           <a:xfrm flipV="1">
-            <a:off x="4394804" y="3768554"/>
+            <a:off x="4394804" y="3972978"/>
             <a:ext cx="223324" cy="1"/>
           </a:xfrm>
           <a:prstGeom prst="bentConnector3">
@@ -5019,7 +5019,7 @@
         </p:nvSpPr>
         <p:spPr>
           <a:xfrm rot="5400000" flipV="1">
-            <a:off x="4171790" y="3680793"/>
+            <a:off x="4171790" y="3885217"/>
             <a:ext cx="270504" cy="175523"/>
           </a:xfrm>
           <a:prstGeom prst="triangle">
@@ -5080,7 +5080,7 @@
         </p:nvSpPr>
         <p:spPr>
           <a:xfrm>
-            <a:off x="2873942" y="3647833"/>
+            <a:off x="2873942" y="3852257"/>
             <a:ext cx="1323049" cy="346760"/>
           </a:xfrm>
           <a:prstGeom prst="rect">
@@ -5166,7 +5166,7 @@
         </p:nvCxnSpPr>
         <p:spPr>
           <a:xfrm>
-            <a:off x="2640209" y="3817117"/>
+            <a:off x="2640209" y="4021541"/>
             <a:ext cx="220810" cy="5284"/>
           </a:xfrm>
           <a:prstGeom prst="straightConnector1">
@@ -5212,7 +5212,7 @@
         </p:nvSpPr>
         <p:spPr>
           <a:xfrm>
-            <a:off x="2404161" y="3730427"/>
+            <a:off x="2404161" y="3934851"/>
             <a:ext cx="236048" cy="173380"/>
           </a:xfrm>
           <a:prstGeom prst="flowChartDecision">
@@ -5255,57 +5255,6 @@
           </a:p>
         </p:txBody>
       </p:sp>
-      <p:cxnSp>
-        <p:nvCxnSpPr>
-          <p:cNvPr id="38" name="Elbow Connector 122">
-            <a:extLst>
-              <a:ext uri="{FF2B5EF4-FFF2-40B4-BE49-F238E27FC236}">
-                <a16:creationId xmlns:a16="http://schemas.microsoft.com/office/drawing/2014/main" id="{B81A2D30-EA64-43DD-A9E2-99BD68B4BA5F}"/>
-              </a:ext>
-            </a:extLst>
-          </p:cNvPr>
-          <p:cNvCxnSpPr>
-            <a:cxnSpLocks/>
-            <a:stCxn id="28" idx="3"/>
-            <a:endCxn id="66" idx="2"/>
-          </p:cNvCxnSpPr>
-          <p:nvPr/>
-        </p:nvCxnSpPr>
-        <p:spPr>
-          <a:xfrm flipV="1">
-            <a:off x="5787963" y="3507170"/>
-            <a:ext cx="905088" cy="271786"/>
-          </a:xfrm>
-          <a:prstGeom prst="bentConnector2">
-            <a:avLst/>
-          </a:prstGeom>
-          <a:ln w="19050">
-            <a:solidFill>
-              <a:schemeClr val="accent6">
-                <a:lumMod val="75000"/>
-              </a:schemeClr>
-            </a:solidFill>
-            <a:prstDash val="sysDot"/>
-            <a:headEnd type="none" w="med" len="med"/>
-            <a:tailEnd type="arrow" w="med" len="med"/>
-          </a:ln>
-          <a:effectLst/>
-        </p:spPr>
-        <p:style>
-          <a:lnRef idx="1">
-            <a:schemeClr val="accent2"/>
-          </a:lnRef>
-          <a:fillRef idx="2">
-            <a:schemeClr val="accent2"/>
-          </a:fillRef>
-          <a:effectRef idx="1">
-            <a:schemeClr val="accent2"/>
-          </a:effectRef>
-          <a:fontRef idx="minor">
-            <a:schemeClr val="dk1"/>
-          </a:fontRef>
-        </p:style>
-      </p:cxnSp>
       <p:sp>
         <p:nvSpPr>
           <p:cNvPr id="35" name="Rectangle 8">
@@ -5320,7 +5269,7 @@
         </p:nvSpPr>
         <p:spPr>
           <a:xfrm>
-            <a:off x="2873942" y="4118190"/>
+            <a:off x="2873942" y="4322614"/>
             <a:ext cx="1323049" cy="346760"/>
           </a:xfrm>
           <a:prstGeom prst="rect">
@@ -5406,7 +5355,7 @@
         </p:nvCxnSpPr>
         <p:spPr>
           <a:xfrm>
-            <a:off x="2640209" y="4287474"/>
+            <a:off x="2640209" y="4491898"/>
             <a:ext cx="220810" cy="5284"/>
           </a:xfrm>
           <a:prstGeom prst="straightConnector1">
@@ -5452,7 +5401,7 @@
         </p:nvSpPr>
         <p:spPr>
           <a:xfrm>
-            <a:off x="2404161" y="4200784"/>
+            <a:off x="2404161" y="4405208"/>
             <a:ext cx="236048" cy="173380"/>
           </a:xfrm>
           <a:prstGeom prst="flowChartDecision">
@@ -5512,7 +5461,7 @@
         </p:nvCxnSpPr>
         <p:spPr>
           <a:xfrm flipV="1">
-            <a:off x="4392303" y="4287474"/>
+            <a:off x="4392303" y="4491898"/>
             <a:ext cx="223324" cy="1"/>
           </a:xfrm>
           <a:prstGeom prst="bentConnector3">
@@ -5561,7 +5510,7 @@
         </p:nvSpPr>
         <p:spPr>
           <a:xfrm rot="5400000" flipV="1">
-            <a:off x="4169289" y="4199713"/>
+            <a:off x="4169289" y="4404137"/>
             <a:ext cx="270504" cy="175523"/>
           </a:xfrm>
           <a:prstGeom prst="triangle">
@@ -5622,7 +5571,7 @@
         </p:nvSpPr>
         <p:spPr>
           <a:xfrm>
-            <a:off x="4615627" y="4114094"/>
+            <a:off x="4615627" y="4318518"/>
             <a:ext cx="1169835" cy="346760"/>
           </a:xfrm>
           <a:prstGeom prst="rect">
@@ -5706,7 +5655,7 @@
         </p:nvCxnSpPr>
         <p:spPr>
           <a:xfrm>
-            <a:off x="5791200" y="4285504"/>
+            <a:off x="5791200" y="4489928"/>
             <a:ext cx="381000" cy="1970"/>
           </a:xfrm>
           <a:prstGeom prst="bentConnector3">
@@ -5755,7 +5704,7 @@
         </p:nvSpPr>
         <p:spPr>
           <a:xfrm>
-            <a:off x="6172200" y="4114094"/>
+            <a:off x="6172200" y="4318518"/>
             <a:ext cx="1041701" cy="346760"/>
           </a:xfrm>
           <a:prstGeom prst="rect">
@@ -5817,7 +5766,7 @@
         </p:nvSpPr>
         <p:spPr>
           <a:xfrm>
-            <a:off x="7615738" y="4112124"/>
+            <a:off x="7615738" y="4316548"/>
             <a:ext cx="1259718" cy="346760"/>
           </a:xfrm>
           <a:prstGeom prst="rect">
@@ -5882,7 +5831,7 @@
         </p:nvCxnSpPr>
         <p:spPr>
           <a:xfrm flipV="1">
-            <a:off x="7213901" y="4285504"/>
+            <a:off x="7213901" y="4489928"/>
             <a:ext cx="401837" cy="786"/>
           </a:xfrm>
           <a:prstGeom prst="bentConnector3">
@@ -5906,6 +5855,59 @@
           </a:fillRef>
           <a:effectRef idx="1">
             <a:schemeClr val="accent6"/>
+          </a:effectRef>
+          <a:fontRef idx="minor">
+            <a:schemeClr val="dk1"/>
+          </a:fontRef>
+        </p:style>
+      </p:cxnSp>
+      <p:cxnSp>
+        <p:nvCxnSpPr>
+          <p:cNvPr id="57" name="Elbow Connector 122">
+            <a:extLst>
+              <a:ext uri="{FF2B5EF4-FFF2-40B4-BE49-F238E27FC236}">
+                <a16:creationId xmlns:a16="http://schemas.microsoft.com/office/drawing/2014/main" id="{C4E90F83-1DE6-4EB5-BCBF-1554A2EC4F28}"/>
+              </a:ext>
+            </a:extLst>
+          </p:cNvPr>
+          <p:cNvCxnSpPr>
+            <a:cxnSpLocks/>
+            <a:stCxn id="28" idx="0"/>
+            <a:endCxn id="50" idx="2"/>
+          </p:cNvCxnSpPr>
+          <p:nvPr/>
+        </p:nvCxnSpPr>
+        <p:spPr>
+          <a:xfrm rot="5400000" flipH="1" flipV="1">
+            <a:off x="5052264" y="3655982"/>
+            <a:ext cx="304800" cy="3237"/>
+          </a:xfrm>
+          <a:prstGeom prst="bentConnector3">
+            <a:avLst>
+              <a:gd name="adj1" fmla="val 50000"/>
+            </a:avLst>
+          </a:prstGeom>
+          <a:ln w="19050">
+            <a:solidFill>
+              <a:schemeClr val="accent6">
+                <a:lumMod val="75000"/>
+              </a:schemeClr>
+            </a:solidFill>
+            <a:prstDash val="sysDot"/>
+            <a:headEnd type="none" w="med" len="med"/>
+            <a:tailEnd type="arrow" w="med" len="med"/>
+          </a:ln>
+          <a:effectLst/>
+        </p:spPr>
+        <p:style>
+          <a:lnRef idx="1">
+            <a:schemeClr val="accent2"/>
+          </a:lnRef>
+          <a:fillRef idx="2">
+            <a:schemeClr val="accent2"/>
+          </a:fillRef>
+          <a:effectRef idx="1">
+            <a:schemeClr val="accent2"/>
           </a:effectRef>
           <a:fontRef idx="minor">
             <a:schemeClr val="dk1"/>
